--- a/TenantManagement.pptx
+++ b/TenantManagement.pptx
@@ -22,9 +22,10 @@
     <p:sldId id="271" r:id="rId16"/>
     <p:sldId id="272" r:id="rId17"/>
     <p:sldId id="273" r:id="rId18"/>
-    <p:sldId id="274" r:id="rId19"/>
-    <p:sldId id="275" r:id="rId20"/>
-    <p:sldId id="276" r:id="rId21"/>
+    <p:sldId id="277" r:id="rId19"/>
+    <p:sldId id="274" r:id="rId20"/>
+    <p:sldId id="275" r:id="rId21"/>
+    <p:sldId id="276" r:id="rId22"/>
   </p:sldIdLst>
   <p:sldSz cx="12192000" cy="6858000"/>
   <p:notesSz cx="6858000" cy="9144000"/>
@@ -3970,41 +3971,6 @@
           </a:ln>
         </p:spPr>
       </p:pic>
-      <p:pic>
-        <p:nvPicPr>
-          <p:cNvPr id="6" name="Picture 5">
-            <a:extLst>
-              <a:ext uri="{FF2B5EF4-FFF2-40B4-BE49-F238E27FC236}">
-                <a16:creationId xmlns:a16="http://schemas.microsoft.com/office/drawing/2014/main" id="{458CC815-111D-483C-84E9-1469339FE2F4}"/>
-              </a:ext>
-            </a:extLst>
-          </p:cNvPr>
-          <p:cNvPicPr>
-            <a:picLocks noChangeAspect="1"/>
-          </p:cNvPicPr>
-          <p:nvPr/>
-        </p:nvPicPr>
-        <p:blipFill>
-          <a:blip r:embed="rId3"/>
-          <a:stretch>
-            <a:fillRect/>
-          </a:stretch>
-        </p:blipFill>
-        <p:spPr>
-          <a:xfrm>
-            <a:off x="3772822" y="3007580"/>
-            <a:ext cx="7143750" cy="3114675"/>
-          </a:xfrm>
-          <a:prstGeom prst="rect">
-            <a:avLst/>
-          </a:prstGeom>
-          <a:ln>
-            <a:solidFill>
-              <a:schemeClr val="tx1"/>
-            </a:solidFill>
-          </a:ln>
-        </p:spPr>
-      </p:pic>
     </p:spTree>
     <p:extLst>
       <p:ext uri="{BB962C8B-B14F-4D97-AF65-F5344CB8AC3E}">
@@ -4037,6 +4003,71 @@
       </p:grpSpPr>
       <p:pic>
         <p:nvPicPr>
+          <p:cNvPr id="6" name="Picture 5">
+            <a:extLst>
+              <a:ext uri="{FF2B5EF4-FFF2-40B4-BE49-F238E27FC236}">
+                <a16:creationId xmlns:a16="http://schemas.microsoft.com/office/drawing/2014/main" id="{458CC815-111D-483C-84E9-1469339FE2F4}"/>
+              </a:ext>
+            </a:extLst>
+          </p:cNvPr>
+          <p:cNvPicPr>
+            <a:picLocks noChangeAspect="1"/>
+          </p:cNvPicPr>
+          <p:nvPr/>
+        </p:nvPicPr>
+        <p:blipFill>
+          <a:blip r:embed="rId2"/>
+          <a:stretch>
+            <a:fillRect/>
+          </a:stretch>
+        </p:blipFill>
+        <p:spPr>
+          <a:xfrm>
+            <a:off x="1069378" y="558578"/>
+            <a:ext cx="7143750" cy="3114675"/>
+          </a:xfrm>
+          <a:prstGeom prst="rect">
+            <a:avLst/>
+          </a:prstGeom>
+          <a:ln>
+            <a:solidFill>
+              <a:schemeClr val="tx1"/>
+            </a:solidFill>
+          </a:ln>
+        </p:spPr>
+      </p:pic>
+    </p:spTree>
+    <p:extLst>
+      <p:ext uri="{BB962C8B-B14F-4D97-AF65-F5344CB8AC3E}">
+        <p14:creationId xmlns:p14="http://schemas.microsoft.com/office/powerpoint/2010/main" val="339036954"/>
+      </p:ext>
+    </p:extLst>
+  </p:cSld>
+  <p:clrMapOvr>
+    <a:masterClrMapping/>
+  </p:clrMapOvr>
+</p:sld>
+</file>
+
+<file path=ppt/slides/slide19.xml><?xml version="1.0" encoding="utf-8"?>
+<p:sld xmlns:a="http://schemas.openxmlformats.org/drawingml/2006/main" xmlns:r="http://schemas.openxmlformats.org/officeDocument/2006/relationships" xmlns:p="http://schemas.openxmlformats.org/presentationml/2006/main">
+  <p:cSld>
+    <p:spTree>
+      <p:nvGrpSpPr>
+        <p:cNvPr id="1" name=""/>
+        <p:cNvGrpSpPr/>
+        <p:nvPr/>
+      </p:nvGrpSpPr>
+      <p:grpSpPr>
+        <a:xfrm>
+          <a:off x="0" y="0"/>
+          <a:ext cx="0" cy="0"/>
+          <a:chOff x="0" y="0"/>
+          <a:chExt cx="0" cy="0"/>
+        </a:xfrm>
+      </p:grpSpPr>
+      <p:pic>
+        <p:nvPicPr>
           <p:cNvPr id="3" name="Picture 2">
             <a:extLst>
               <a:ext uri="{FF2B5EF4-FFF2-40B4-BE49-F238E27FC236}">
@@ -4109,71 +4140,6 @@
     <p:extLst>
       <p:ext uri="{BB962C8B-B14F-4D97-AF65-F5344CB8AC3E}">
         <p14:creationId xmlns:p14="http://schemas.microsoft.com/office/powerpoint/2010/main" val="1919727518"/>
-      </p:ext>
-    </p:extLst>
-  </p:cSld>
-  <p:clrMapOvr>
-    <a:masterClrMapping/>
-  </p:clrMapOvr>
-</p:sld>
-</file>
-
-<file path=ppt/slides/slide19.xml><?xml version="1.0" encoding="utf-8"?>
-<p:sld xmlns:a="http://schemas.openxmlformats.org/drawingml/2006/main" xmlns:r="http://schemas.openxmlformats.org/officeDocument/2006/relationships" xmlns:p="http://schemas.openxmlformats.org/presentationml/2006/main">
-  <p:cSld>
-    <p:spTree>
-      <p:nvGrpSpPr>
-        <p:cNvPr id="1" name=""/>
-        <p:cNvGrpSpPr/>
-        <p:nvPr/>
-      </p:nvGrpSpPr>
-      <p:grpSpPr>
-        <a:xfrm>
-          <a:off x="0" y="0"/>
-          <a:ext cx="0" cy="0"/>
-          <a:chOff x="0" y="0"/>
-          <a:chExt cx="0" cy="0"/>
-        </a:xfrm>
-      </p:grpSpPr>
-      <p:pic>
-        <p:nvPicPr>
-          <p:cNvPr id="3" name="Picture 2">
-            <a:extLst>
-              <a:ext uri="{FF2B5EF4-FFF2-40B4-BE49-F238E27FC236}">
-                <a16:creationId xmlns:a16="http://schemas.microsoft.com/office/drawing/2014/main" id="{CDBD9A54-A799-4896-94FF-26716585DF7C}"/>
-              </a:ext>
-            </a:extLst>
-          </p:cNvPr>
-          <p:cNvPicPr>
-            <a:picLocks noChangeAspect="1"/>
-          </p:cNvPicPr>
-          <p:nvPr/>
-        </p:nvPicPr>
-        <p:blipFill>
-          <a:blip r:embed="rId2"/>
-          <a:stretch>
-            <a:fillRect/>
-          </a:stretch>
-        </p:blipFill>
-        <p:spPr>
-          <a:xfrm>
-            <a:off x="550606" y="971381"/>
-            <a:ext cx="9379974" cy="3131016"/>
-          </a:xfrm>
-          <a:prstGeom prst="rect">
-            <a:avLst/>
-          </a:prstGeom>
-          <a:ln>
-            <a:solidFill>
-              <a:schemeClr val="tx1"/>
-            </a:solidFill>
-          </a:ln>
-        </p:spPr>
-      </p:pic>
-    </p:spTree>
-    <p:extLst>
-      <p:ext uri="{BB962C8B-B14F-4D97-AF65-F5344CB8AC3E}">
-        <p14:creationId xmlns:p14="http://schemas.microsoft.com/office/powerpoint/2010/main" val="2492021563"/>
       </p:ext>
     </p:extLst>
   </p:cSld>
@@ -4249,6 +4215,71 @@
 </file>
 
 <file path=ppt/slides/slide20.xml><?xml version="1.0" encoding="utf-8"?>
+<p:sld xmlns:a="http://schemas.openxmlformats.org/drawingml/2006/main" xmlns:r="http://schemas.openxmlformats.org/officeDocument/2006/relationships" xmlns:p="http://schemas.openxmlformats.org/presentationml/2006/main">
+  <p:cSld>
+    <p:spTree>
+      <p:nvGrpSpPr>
+        <p:cNvPr id="1" name=""/>
+        <p:cNvGrpSpPr/>
+        <p:nvPr/>
+      </p:nvGrpSpPr>
+      <p:grpSpPr>
+        <a:xfrm>
+          <a:off x="0" y="0"/>
+          <a:ext cx="0" cy="0"/>
+          <a:chOff x="0" y="0"/>
+          <a:chExt cx="0" cy="0"/>
+        </a:xfrm>
+      </p:grpSpPr>
+      <p:pic>
+        <p:nvPicPr>
+          <p:cNvPr id="3" name="Picture 2">
+            <a:extLst>
+              <a:ext uri="{FF2B5EF4-FFF2-40B4-BE49-F238E27FC236}">
+                <a16:creationId xmlns:a16="http://schemas.microsoft.com/office/drawing/2014/main" id="{CDBD9A54-A799-4896-94FF-26716585DF7C}"/>
+              </a:ext>
+            </a:extLst>
+          </p:cNvPr>
+          <p:cNvPicPr>
+            <a:picLocks noChangeAspect="1"/>
+          </p:cNvPicPr>
+          <p:nvPr/>
+        </p:nvPicPr>
+        <p:blipFill>
+          <a:blip r:embed="rId2"/>
+          <a:stretch>
+            <a:fillRect/>
+          </a:stretch>
+        </p:blipFill>
+        <p:spPr>
+          <a:xfrm>
+            <a:off x="550606" y="971381"/>
+            <a:ext cx="9379974" cy="3131016"/>
+          </a:xfrm>
+          <a:prstGeom prst="rect">
+            <a:avLst/>
+          </a:prstGeom>
+          <a:ln>
+            <a:solidFill>
+              <a:schemeClr val="tx1"/>
+            </a:solidFill>
+          </a:ln>
+        </p:spPr>
+      </p:pic>
+    </p:spTree>
+    <p:extLst>
+      <p:ext uri="{BB962C8B-B14F-4D97-AF65-F5344CB8AC3E}">
+        <p14:creationId xmlns:p14="http://schemas.microsoft.com/office/powerpoint/2010/main" val="2492021563"/>
+      </p:ext>
+    </p:extLst>
+  </p:cSld>
+  <p:clrMapOvr>
+    <a:masterClrMapping/>
+  </p:clrMapOvr>
+</p:sld>
+</file>
+
+<file path=ppt/slides/slide21.xml><?xml version="1.0" encoding="utf-8"?>
 <p:sld xmlns:a="http://schemas.openxmlformats.org/drawingml/2006/main" xmlns:r="http://schemas.openxmlformats.org/officeDocument/2006/relationships" xmlns:p="http://schemas.openxmlformats.org/presentationml/2006/main">
   <p:cSld>
     <p:spTree>

--- a/TenantManagement.pptx
+++ b/TenantManagement.pptx
@@ -16,16 +16,17 @@
     <p:sldId id="265" r:id="rId10"/>
     <p:sldId id="266" r:id="rId11"/>
     <p:sldId id="267" r:id="rId12"/>
-    <p:sldId id="268" r:id="rId13"/>
-    <p:sldId id="269" r:id="rId14"/>
-    <p:sldId id="270" r:id="rId15"/>
-    <p:sldId id="271" r:id="rId16"/>
-    <p:sldId id="272" r:id="rId17"/>
-    <p:sldId id="273" r:id="rId18"/>
-    <p:sldId id="277" r:id="rId19"/>
-    <p:sldId id="274" r:id="rId20"/>
-    <p:sldId id="275" r:id="rId21"/>
-    <p:sldId id="276" r:id="rId22"/>
+    <p:sldId id="278" r:id="rId13"/>
+    <p:sldId id="268" r:id="rId14"/>
+    <p:sldId id="269" r:id="rId15"/>
+    <p:sldId id="270" r:id="rId16"/>
+    <p:sldId id="271" r:id="rId17"/>
+    <p:sldId id="272" r:id="rId18"/>
+    <p:sldId id="273" r:id="rId19"/>
+    <p:sldId id="277" r:id="rId20"/>
+    <p:sldId id="274" r:id="rId21"/>
+    <p:sldId id="275" r:id="rId22"/>
+    <p:sldId id="276" r:id="rId23"/>
   </p:sldIdLst>
   <p:sldSz cx="12192000" cy="6858000"/>
   <p:notesSz cx="6858000" cy="9144000"/>
@@ -279,7 +280,7 @@
           <a:p>
             <a:fld id="{9281FBF7-33DA-44D9-A6B6-E55DE5D83980}" type="datetimeFigureOut">
               <a:rPr lang="en-US" smtClean="0"/>
-              <a:t>3/29/2021</a:t>
+              <a:t>3/30/2021</a:t>
             </a:fld>
             <a:endParaRPr lang="en-US"/>
           </a:p>
@@ -477,7 +478,7 @@
           <a:p>
             <a:fld id="{9281FBF7-33DA-44D9-A6B6-E55DE5D83980}" type="datetimeFigureOut">
               <a:rPr lang="en-US" smtClean="0"/>
-              <a:t>3/29/2021</a:t>
+              <a:t>3/30/2021</a:t>
             </a:fld>
             <a:endParaRPr lang="en-US"/>
           </a:p>
@@ -685,7 +686,7 @@
           <a:p>
             <a:fld id="{9281FBF7-33DA-44D9-A6B6-E55DE5D83980}" type="datetimeFigureOut">
               <a:rPr lang="en-US" smtClean="0"/>
-              <a:t>3/29/2021</a:t>
+              <a:t>3/30/2021</a:t>
             </a:fld>
             <a:endParaRPr lang="en-US"/>
           </a:p>
@@ -883,7 +884,7 @@
           <a:p>
             <a:fld id="{9281FBF7-33DA-44D9-A6B6-E55DE5D83980}" type="datetimeFigureOut">
               <a:rPr lang="en-US" smtClean="0"/>
-              <a:t>3/29/2021</a:t>
+              <a:t>3/30/2021</a:t>
             </a:fld>
             <a:endParaRPr lang="en-US"/>
           </a:p>
@@ -1158,7 +1159,7 @@
           <a:p>
             <a:fld id="{9281FBF7-33DA-44D9-A6B6-E55DE5D83980}" type="datetimeFigureOut">
               <a:rPr lang="en-US" smtClean="0"/>
-              <a:t>3/29/2021</a:t>
+              <a:t>3/30/2021</a:t>
             </a:fld>
             <a:endParaRPr lang="en-US"/>
           </a:p>
@@ -1423,7 +1424,7 @@
           <a:p>
             <a:fld id="{9281FBF7-33DA-44D9-A6B6-E55DE5D83980}" type="datetimeFigureOut">
               <a:rPr lang="en-US" smtClean="0"/>
-              <a:t>3/29/2021</a:t>
+              <a:t>3/30/2021</a:t>
             </a:fld>
             <a:endParaRPr lang="en-US"/>
           </a:p>
@@ -1835,7 +1836,7 @@
           <a:p>
             <a:fld id="{9281FBF7-33DA-44D9-A6B6-E55DE5D83980}" type="datetimeFigureOut">
               <a:rPr lang="en-US" smtClean="0"/>
-              <a:t>3/29/2021</a:t>
+              <a:t>3/30/2021</a:t>
             </a:fld>
             <a:endParaRPr lang="en-US"/>
           </a:p>
@@ -1976,7 +1977,7 @@
           <a:p>
             <a:fld id="{9281FBF7-33DA-44D9-A6B6-E55DE5D83980}" type="datetimeFigureOut">
               <a:rPr lang="en-US" smtClean="0"/>
-              <a:t>3/29/2021</a:t>
+              <a:t>3/30/2021</a:t>
             </a:fld>
             <a:endParaRPr lang="en-US"/>
           </a:p>
@@ -2089,7 +2090,7 @@
           <a:p>
             <a:fld id="{9281FBF7-33DA-44D9-A6B6-E55DE5D83980}" type="datetimeFigureOut">
               <a:rPr lang="en-US" smtClean="0"/>
-              <a:t>3/29/2021</a:t>
+              <a:t>3/30/2021</a:t>
             </a:fld>
             <a:endParaRPr lang="en-US"/>
           </a:p>
@@ -2400,7 +2401,7 @@
           <a:p>
             <a:fld id="{9281FBF7-33DA-44D9-A6B6-E55DE5D83980}" type="datetimeFigureOut">
               <a:rPr lang="en-US" smtClean="0"/>
-              <a:t>3/29/2021</a:t>
+              <a:t>3/30/2021</a:t>
             </a:fld>
             <a:endParaRPr lang="en-US"/>
           </a:p>
@@ -2688,7 +2689,7 @@
           <a:p>
             <a:fld id="{9281FBF7-33DA-44D9-A6B6-E55DE5D83980}" type="datetimeFigureOut">
               <a:rPr lang="en-US" smtClean="0"/>
-              <a:t>3/29/2021</a:t>
+              <a:t>3/30/2021</a:t>
             </a:fld>
             <a:endParaRPr lang="en-US"/>
           </a:p>
@@ -2929,7 +2930,7 @@
           <a:p>
             <a:fld id="{9281FBF7-33DA-44D9-A6B6-E55DE5D83980}" type="datetimeFigureOut">
               <a:rPr lang="en-US" smtClean="0"/>
-              <a:t>3/29/2021</a:t>
+              <a:t>3/30/2021</a:t>
             </a:fld>
             <a:endParaRPr lang="en-US"/>
           </a:p>
@@ -3478,10 +3479,10 @@
       </p:grpSpPr>
       <p:pic>
         <p:nvPicPr>
-          <p:cNvPr id="4" name="Picture 3">
-            <a:extLst>
-              <a:ext uri="{FF2B5EF4-FFF2-40B4-BE49-F238E27FC236}">
-                <a16:creationId xmlns:a16="http://schemas.microsoft.com/office/drawing/2014/main" id="{6740A2A7-A01F-4828-B21A-4786C9D4C121}"/>
+          <p:cNvPr id="3" name="Picture 2">
+            <a:extLst>
+              <a:ext uri="{FF2B5EF4-FFF2-40B4-BE49-F238E27FC236}">
+                <a16:creationId xmlns:a16="http://schemas.microsoft.com/office/drawing/2014/main" id="{0CA9FA49-EBDF-4AEE-A45E-81AEAD410245}"/>
               </a:ext>
             </a:extLst>
           </p:cNvPr>
@@ -3498,19 +3499,50 @@
         </p:blipFill>
         <p:spPr>
           <a:xfrm>
-            <a:off x="1414463" y="585788"/>
-            <a:ext cx="7793148" cy="4732970"/>
+            <a:off x="1878123" y="1690688"/>
+            <a:ext cx="7727993" cy="4487222"/>
           </a:xfrm>
           <a:prstGeom prst="rect">
             <a:avLst/>
           </a:prstGeom>
           <a:ln>
             <a:solidFill>
-              <a:schemeClr val="accent1"/>
+              <a:schemeClr val="tx1">
+                <a:lumMod val="65000"/>
+                <a:lumOff val="35000"/>
+              </a:schemeClr>
             </a:solidFill>
           </a:ln>
         </p:spPr>
       </p:pic>
+      <p:sp>
+        <p:nvSpPr>
+          <p:cNvPr id="5" name="Title 4">
+            <a:extLst>
+              <a:ext uri="{FF2B5EF4-FFF2-40B4-BE49-F238E27FC236}">
+                <a16:creationId xmlns:a16="http://schemas.microsoft.com/office/drawing/2014/main" id="{9229FD83-F04C-4995-8802-F5F396FDF5FA}"/>
+              </a:ext>
+            </a:extLst>
+          </p:cNvPr>
+          <p:cNvSpPr>
+            <a:spLocks noGrp="1"/>
+          </p:cNvSpPr>
+          <p:nvPr>
+            <p:ph type="title"/>
+          </p:nvPr>
+        </p:nvSpPr>
+        <p:spPr/>
+        <p:txBody>
+          <a:bodyPr/>
+          <a:lstStyle/>
+          <a:p>
+            <a:r>
+              <a:rPr lang="en-US" dirty="0"/>
+              <a:t>This setting works</a:t>
+            </a:r>
+          </a:p>
+        </p:txBody>
+      </p:sp>
     </p:spTree>
     <p:extLst>
       <p:ext uri="{BB962C8B-B14F-4D97-AF65-F5344CB8AC3E}">
@@ -3525,6 +3557,99 @@
 </file>
 
 <file path=ppt/slides/slide12.xml><?xml version="1.0" encoding="utf-8"?>
+<p:sld xmlns:a="http://schemas.openxmlformats.org/drawingml/2006/main" xmlns:r="http://schemas.openxmlformats.org/officeDocument/2006/relationships" xmlns:p="http://schemas.openxmlformats.org/presentationml/2006/main">
+  <p:cSld>
+    <p:spTree>
+      <p:nvGrpSpPr>
+        <p:cNvPr id="1" name=""/>
+        <p:cNvGrpSpPr/>
+        <p:nvPr/>
+      </p:nvGrpSpPr>
+      <p:grpSpPr>
+        <a:xfrm>
+          <a:off x="0" y="0"/>
+          <a:ext cx="0" cy="0"/>
+          <a:chOff x="0" y="0"/>
+          <a:chExt cx="0" cy="0"/>
+        </a:xfrm>
+      </p:grpSpPr>
+      <p:pic>
+        <p:nvPicPr>
+          <p:cNvPr id="4" name="Picture 3">
+            <a:extLst>
+              <a:ext uri="{FF2B5EF4-FFF2-40B4-BE49-F238E27FC236}">
+                <a16:creationId xmlns:a16="http://schemas.microsoft.com/office/drawing/2014/main" id="{6740A2A7-A01F-4828-B21A-4786C9D4C121}"/>
+              </a:ext>
+            </a:extLst>
+          </p:cNvPr>
+          <p:cNvPicPr>
+            <a:picLocks noChangeAspect="1"/>
+          </p:cNvPicPr>
+          <p:nvPr/>
+        </p:nvPicPr>
+        <p:blipFill>
+          <a:blip r:embed="rId2"/>
+          <a:stretch>
+            <a:fillRect/>
+          </a:stretch>
+        </p:blipFill>
+        <p:spPr>
+          <a:xfrm>
+            <a:off x="1768425" y="1578846"/>
+            <a:ext cx="7793148" cy="4732970"/>
+          </a:xfrm>
+          <a:prstGeom prst="rect">
+            <a:avLst/>
+          </a:prstGeom>
+          <a:ln>
+            <a:solidFill>
+              <a:schemeClr val="accent1"/>
+            </a:solidFill>
+          </a:ln>
+        </p:spPr>
+      </p:pic>
+      <p:sp>
+        <p:nvSpPr>
+          <p:cNvPr id="2" name="Title 1">
+            <a:extLst>
+              <a:ext uri="{FF2B5EF4-FFF2-40B4-BE49-F238E27FC236}">
+                <a16:creationId xmlns:a16="http://schemas.microsoft.com/office/drawing/2014/main" id="{74358A20-BCD5-426B-8811-1B545BDE2C88}"/>
+              </a:ext>
+            </a:extLst>
+          </p:cNvPr>
+          <p:cNvSpPr>
+            <a:spLocks noGrp="1"/>
+          </p:cNvSpPr>
+          <p:nvPr>
+            <p:ph type="title"/>
+          </p:nvPr>
+        </p:nvSpPr>
+        <p:spPr/>
+        <p:txBody>
+          <a:bodyPr/>
+          <a:lstStyle/>
+          <a:p>
+            <a:r>
+              <a:rPr lang="en-US" dirty="0"/>
+              <a:t>This setting does not work </a:t>
+            </a:r>
+          </a:p>
+        </p:txBody>
+      </p:sp>
+    </p:spTree>
+    <p:extLst>
+      <p:ext uri="{BB962C8B-B14F-4D97-AF65-F5344CB8AC3E}">
+        <p14:creationId xmlns:p14="http://schemas.microsoft.com/office/powerpoint/2010/main" val="3962592613"/>
+      </p:ext>
+    </p:extLst>
+  </p:cSld>
+  <p:clrMapOvr>
+    <a:masterClrMapping/>
+  </p:clrMapOvr>
+</p:sld>
+</file>
+
+<file path=ppt/slides/slide13.xml><?xml version="1.0" encoding="utf-8"?>
 <p:sld xmlns:a="http://schemas.openxmlformats.org/drawingml/2006/main" xmlns:r="http://schemas.openxmlformats.org/officeDocument/2006/relationships" xmlns:p="http://schemas.openxmlformats.org/presentationml/2006/main">
   <p:cSld>
     <p:spTree>
@@ -3589,7 +3714,7 @@
 </p:sld>
 </file>
 
-<file path=ppt/slides/slide13.xml><?xml version="1.0" encoding="utf-8"?>
+<file path=ppt/slides/slide14.xml><?xml version="1.0" encoding="utf-8"?>
 <p:sld xmlns:a="http://schemas.openxmlformats.org/drawingml/2006/main" xmlns:r="http://schemas.openxmlformats.org/officeDocument/2006/relationships" xmlns:p="http://schemas.openxmlformats.org/presentationml/2006/main">
   <p:cSld>
     <p:spTree>
@@ -3654,7 +3779,7 @@
 </p:sld>
 </file>
 
-<file path=ppt/slides/slide14.xml><?xml version="1.0" encoding="utf-8"?>
+<file path=ppt/slides/slide15.xml><?xml version="1.0" encoding="utf-8"?>
 <p:sld xmlns:a="http://schemas.openxmlformats.org/drawingml/2006/main" xmlns:r="http://schemas.openxmlformats.org/officeDocument/2006/relationships" xmlns:p="http://schemas.openxmlformats.org/presentationml/2006/main">
   <p:cSld>
     <p:spTree>
@@ -3719,7 +3844,7 @@
 </p:sld>
 </file>
 
-<file path=ppt/slides/slide15.xml><?xml version="1.0" encoding="utf-8"?>
+<file path=ppt/slides/slide16.xml><?xml version="1.0" encoding="utf-8"?>
 <p:sld xmlns:a="http://schemas.openxmlformats.org/drawingml/2006/main" xmlns:r="http://schemas.openxmlformats.org/officeDocument/2006/relationships" xmlns:p="http://schemas.openxmlformats.org/presentationml/2006/main">
   <p:cSld>
     <p:spTree>
@@ -3784,7 +3909,7 @@
 </p:sld>
 </file>
 
-<file path=ppt/slides/slide16.xml><?xml version="1.0" encoding="utf-8"?>
+<file path=ppt/slides/slide17.xml><?xml version="1.0" encoding="utf-8"?>
 <p:sld xmlns:a="http://schemas.openxmlformats.org/drawingml/2006/main" xmlns:r="http://schemas.openxmlformats.org/officeDocument/2006/relationships" xmlns:p="http://schemas.openxmlformats.org/presentationml/2006/main">
   <p:cSld>
     <p:spTree>
@@ -3919,7 +4044,7 @@
 </p:sld>
 </file>
 
-<file path=ppt/slides/slide17.xml><?xml version="1.0" encoding="utf-8"?>
+<file path=ppt/slides/slide18.xml><?xml version="1.0" encoding="utf-8"?>
 <p:sld xmlns:a="http://schemas.openxmlformats.org/drawingml/2006/main" xmlns:r="http://schemas.openxmlformats.org/officeDocument/2006/relationships" xmlns:p="http://schemas.openxmlformats.org/presentationml/2006/main">
   <p:cSld>
     <p:spTree>
@@ -3984,7 +4109,7 @@
 </p:sld>
 </file>
 
-<file path=ppt/slides/slide18.xml><?xml version="1.0" encoding="utf-8"?>
+<file path=ppt/slides/slide19.xml><?xml version="1.0" encoding="utf-8"?>
 <p:sld xmlns:a="http://schemas.openxmlformats.org/drawingml/2006/main" xmlns:r="http://schemas.openxmlformats.org/officeDocument/2006/relationships" xmlns:p="http://schemas.openxmlformats.org/presentationml/2006/main">
   <p:cSld>
     <p:spTree>
@@ -4040,106 +4165,6 @@
     <p:extLst>
       <p:ext uri="{BB962C8B-B14F-4D97-AF65-F5344CB8AC3E}">
         <p14:creationId xmlns:p14="http://schemas.microsoft.com/office/powerpoint/2010/main" val="339036954"/>
-      </p:ext>
-    </p:extLst>
-  </p:cSld>
-  <p:clrMapOvr>
-    <a:masterClrMapping/>
-  </p:clrMapOvr>
-</p:sld>
-</file>
-
-<file path=ppt/slides/slide19.xml><?xml version="1.0" encoding="utf-8"?>
-<p:sld xmlns:a="http://schemas.openxmlformats.org/drawingml/2006/main" xmlns:r="http://schemas.openxmlformats.org/officeDocument/2006/relationships" xmlns:p="http://schemas.openxmlformats.org/presentationml/2006/main">
-  <p:cSld>
-    <p:spTree>
-      <p:nvGrpSpPr>
-        <p:cNvPr id="1" name=""/>
-        <p:cNvGrpSpPr/>
-        <p:nvPr/>
-      </p:nvGrpSpPr>
-      <p:grpSpPr>
-        <a:xfrm>
-          <a:off x="0" y="0"/>
-          <a:ext cx="0" cy="0"/>
-          <a:chOff x="0" y="0"/>
-          <a:chExt cx="0" cy="0"/>
-        </a:xfrm>
-      </p:grpSpPr>
-      <p:pic>
-        <p:nvPicPr>
-          <p:cNvPr id="3" name="Picture 2">
-            <a:extLst>
-              <a:ext uri="{FF2B5EF4-FFF2-40B4-BE49-F238E27FC236}">
-                <a16:creationId xmlns:a16="http://schemas.microsoft.com/office/drawing/2014/main" id="{3A2FD4C4-0B4B-46C8-A768-42B4A90D4DB9}"/>
-              </a:ext>
-            </a:extLst>
-          </p:cNvPr>
-          <p:cNvPicPr>
-            <a:picLocks noChangeAspect="1"/>
-          </p:cNvPicPr>
-          <p:nvPr/>
-        </p:nvPicPr>
-        <p:blipFill>
-          <a:blip r:embed="rId2"/>
-          <a:stretch>
-            <a:fillRect/>
-          </a:stretch>
-        </p:blipFill>
-        <p:spPr>
-          <a:xfrm>
-            <a:off x="369355" y="743033"/>
-            <a:ext cx="9305925" cy="2419350"/>
-          </a:xfrm>
-          <a:prstGeom prst="rect">
-            <a:avLst/>
-          </a:prstGeom>
-          <a:ln>
-            <a:solidFill>
-              <a:schemeClr val="tx1"/>
-            </a:solidFill>
-          </a:ln>
-        </p:spPr>
-      </p:pic>
-      <p:pic>
-        <p:nvPicPr>
-          <p:cNvPr id="5" name="Picture 4">
-            <a:extLst>
-              <a:ext uri="{FF2B5EF4-FFF2-40B4-BE49-F238E27FC236}">
-                <a16:creationId xmlns:a16="http://schemas.microsoft.com/office/drawing/2014/main" id="{7358923A-FE2F-4B24-81BC-F79FED65214F}"/>
-              </a:ext>
-            </a:extLst>
-          </p:cNvPr>
-          <p:cNvPicPr>
-            <a:picLocks noChangeAspect="1"/>
-          </p:cNvPicPr>
-          <p:nvPr/>
-        </p:nvPicPr>
-        <p:blipFill>
-          <a:blip r:embed="rId3"/>
-          <a:stretch>
-            <a:fillRect/>
-          </a:stretch>
-        </p:blipFill>
-        <p:spPr>
-          <a:xfrm>
-            <a:off x="3226855" y="3429000"/>
-            <a:ext cx="6448425" cy="3048000"/>
-          </a:xfrm>
-          <a:prstGeom prst="rect">
-            <a:avLst/>
-          </a:prstGeom>
-          <a:ln>
-            <a:solidFill>
-              <a:schemeClr val="tx1"/>
-            </a:solidFill>
-          </a:ln>
-        </p:spPr>
-      </p:pic>
-    </p:spTree>
-    <p:extLst>
-      <p:ext uri="{BB962C8B-B14F-4D97-AF65-F5344CB8AC3E}">
-        <p14:creationId xmlns:p14="http://schemas.microsoft.com/office/powerpoint/2010/main" val="1919727518"/>
       </p:ext>
     </p:extLst>
   </p:cSld>
@@ -4236,6 +4261,106 @@
           <p:cNvPr id="3" name="Picture 2">
             <a:extLst>
               <a:ext uri="{FF2B5EF4-FFF2-40B4-BE49-F238E27FC236}">
+                <a16:creationId xmlns:a16="http://schemas.microsoft.com/office/drawing/2014/main" id="{3A2FD4C4-0B4B-46C8-A768-42B4A90D4DB9}"/>
+              </a:ext>
+            </a:extLst>
+          </p:cNvPr>
+          <p:cNvPicPr>
+            <a:picLocks noChangeAspect="1"/>
+          </p:cNvPicPr>
+          <p:nvPr/>
+        </p:nvPicPr>
+        <p:blipFill>
+          <a:blip r:embed="rId2"/>
+          <a:stretch>
+            <a:fillRect/>
+          </a:stretch>
+        </p:blipFill>
+        <p:spPr>
+          <a:xfrm>
+            <a:off x="369355" y="743033"/>
+            <a:ext cx="9305925" cy="2419350"/>
+          </a:xfrm>
+          <a:prstGeom prst="rect">
+            <a:avLst/>
+          </a:prstGeom>
+          <a:ln>
+            <a:solidFill>
+              <a:schemeClr val="tx1"/>
+            </a:solidFill>
+          </a:ln>
+        </p:spPr>
+      </p:pic>
+      <p:pic>
+        <p:nvPicPr>
+          <p:cNvPr id="5" name="Picture 4">
+            <a:extLst>
+              <a:ext uri="{FF2B5EF4-FFF2-40B4-BE49-F238E27FC236}">
+                <a16:creationId xmlns:a16="http://schemas.microsoft.com/office/drawing/2014/main" id="{7358923A-FE2F-4B24-81BC-F79FED65214F}"/>
+              </a:ext>
+            </a:extLst>
+          </p:cNvPr>
+          <p:cNvPicPr>
+            <a:picLocks noChangeAspect="1"/>
+          </p:cNvPicPr>
+          <p:nvPr/>
+        </p:nvPicPr>
+        <p:blipFill>
+          <a:blip r:embed="rId3"/>
+          <a:stretch>
+            <a:fillRect/>
+          </a:stretch>
+        </p:blipFill>
+        <p:spPr>
+          <a:xfrm>
+            <a:off x="3226855" y="3429000"/>
+            <a:ext cx="6448425" cy="3048000"/>
+          </a:xfrm>
+          <a:prstGeom prst="rect">
+            <a:avLst/>
+          </a:prstGeom>
+          <a:ln>
+            <a:solidFill>
+              <a:schemeClr val="tx1"/>
+            </a:solidFill>
+          </a:ln>
+        </p:spPr>
+      </p:pic>
+    </p:spTree>
+    <p:extLst>
+      <p:ext uri="{BB962C8B-B14F-4D97-AF65-F5344CB8AC3E}">
+        <p14:creationId xmlns:p14="http://schemas.microsoft.com/office/powerpoint/2010/main" val="1919727518"/>
+      </p:ext>
+    </p:extLst>
+  </p:cSld>
+  <p:clrMapOvr>
+    <a:masterClrMapping/>
+  </p:clrMapOvr>
+</p:sld>
+</file>
+
+<file path=ppt/slides/slide21.xml><?xml version="1.0" encoding="utf-8"?>
+<p:sld xmlns:a="http://schemas.openxmlformats.org/drawingml/2006/main" xmlns:r="http://schemas.openxmlformats.org/officeDocument/2006/relationships" xmlns:p="http://schemas.openxmlformats.org/presentationml/2006/main">
+  <p:cSld>
+    <p:spTree>
+      <p:nvGrpSpPr>
+        <p:cNvPr id="1" name=""/>
+        <p:cNvGrpSpPr/>
+        <p:nvPr/>
+      </p:nvGrpSpPr>
+      <p:grpSpPr>
+        <a:xfrm>
+          <a:off x="0" y="0"/>
+          <a:ext cx="0" cy="0"/>
+          <a:chOff x="0" y="0"/>
+          <a:chExt cx="0" cy="0"/>
+        </a:xfrm>
+      </p:grpSpPr>
+      <p:pic>
+        <p:nvPicPr>
+          <p:cNvPr id="3" name="Picture 2">
+            <a:extLst>
+              <a:ext uri="{FF2B5EF4-FFF2-40B4-BE49-F238E27FC236}">
                 <a16:creationId xmlns:a16="http://schemas.microsoft.com/office/drawing/2014/main" id="{CDBD9A54-A799-4896-94FF-26716585DF7C}"/>
               </a:ext>
             </a:extLst>
@@ -4279,7 +4404,7 @@
 </p:sld>
 </file>
 
-<file path=ppt/slides/slide21.xml><?xml version="1.0" encoding="utf-8"?>
+<file path=ppt/slides/slide22.xml><?xml version="1.0" encoding="utf-8"?>
 <p:sld xmlns:a="http://schemas.openxmlformats.org/drawingml/2006/main" xmlns:r="http://schemas.openxmlformats.org/officeDocument/2006/relationships" xmlns:p="http://schemas.openxmlformats.org/presentationml/2006/main">
   <p:cSld>
     <p:spTree>
